--- a/HackMarshmallow.pptx
+++ b/HackMarshmallow.pptx
@@ -5,8 +5,8 @@
     <p:sldMasterId id="2147483648" r:id="rId1"/>
   </p:sldMasterIdLst>
   <p:sldIdLst>
-    <p:sldId id="256" r:id="rId2"/>
-    <p:sldId id="257" r:id="rId3"/>
+    <p:sldId id="257" r:id="rId2"/>
+    <p:sldId id="256" r:id="rId3"/>
     <p:sldId id="258" r:id="rId4"/>
     <p:sldId id="259" r:id="rId5"/>
   </p:sldIdLst>
@@ -3062,78 +3062,6 @@
           <a:chExt cx="0" cy="0"/>
         </a:xfrm>
       </p:grpSpPr>
-      <p:sp>
-        <p:nvSpPr>
-          <p:cNvPr id="2" name="Title 1"/>
-          <p:cNvSpPr>
-            <a:spLocks noGrp="1"/>
-          </p:cNvSpPr>
-          <p:nvPr>
-            <p:ph type="ctrTitle"/>
-          </p:nvPr>
-        </p:nvSpPr>
-        <p:spPr/>
-        <p:txBody>
-          <a:bodyPr/>
-          <a:lstStyle/>
-          <a:p>
-            <a:r>
-              <a:rPr lang="ro-RO" dirty="0" smtClean="0"/>
-              <a:t>Suicidal Marshmallow</a:t>
-            </a:r>
-            <a:endParaRPr lang="ro-RO" dirty="0"/>
-          </a:p>
-        </p:txBody>
-      </p:sp>
-      <p:sp>
-        <p:nvSpPr>
-          <p:cNvPr id="3" name="Subtitle 2"/>
-          <p:cNvSpPr>
-            <a:spLocks noGrp="1"/>
-          </p:cNvSpPr>
-          <p:nvPr>
-            <p:ph type="subTitle" idx="1"/>
-          </p:nvPr>
-        </p:nvSpPr>
-        <p:spPr/>
-        <p:txBody>
-          <a:bodyPr/>
-          <a:lstStyle/>
-          <a:p>
-            <a:endParaRPr lang="ro-RO" dirty="0"/>
-          </a:p>
-        </p:txBody>
-      </p:sp>
-    </p:spTree>
-    <p:extLst>
-      <p:ext uri="{BB962C8B-B14F-4D97-AF65-F5344CB8AC3E}">
-        <p14:creationId xmlns:p14="http://schemas.microsoft.com/office/powerpoint/2010/main" val="2503927951"/>
-      </p:ext>
-    </p:extLst>
-  </p:cSld>
-  <p:clrMapOvr>
-    <a:masterClrMapping/>
-  </p:clrMapOvr>
-</p:sld>
-</file>
-
-<file path=ppt/slides/slide2.xml><?xml version="1.0" encoding="utf-8"?>
-<p:sld xmlns:a="http://schemas.openxmlformats.org/drawingml/2006/main" xmlns:r="http://schemas.openxmlformats.org/officeDocument/2006/relationships" xmlns:p="http://schemas.openxmlformats.org/presentationml/2006/main">
-  <p:cSld>
-    <p:spTree>
-      <p:nvGrpSpPr>
-        <p:cNvPr id="1" name=""/>
-        <p:cNvGrpSpPr/>
-        <p:nvPr/>
-      </p:nvGrpSpPr>
-      <p:grpSpPr>
-        <a:xfrm>
-          <a:off x="0" y="0"/>
-          <a:ext cx="0" cy="0"/>
-          <a:chOff x="0" y="0"/>
-          <a:chExt cx="0" cy="0"/>
-        </a:xfrm>
-      </p:grpSpPr>
       <p:pic>
         <p:nvPicPr>
           <p:cNvPr id="1026" name="Picture 2" descr="D:\github\hackaton\poster.jpg"/>
@@ -3184,7 +3112,7 @@
         <p:spPr>
           <a:xfrm>
             <a:off x="2781300" y="1026782"/>
-            <a:ext cx="3581400" cy="523220"/>
+            <a:ext cx="3581400" cy="1323439"/>
           </a:xfrm>
           <a:prstGeom prst="rect">
             <a:avLst/>
@@ -3199,7 +3127,7 @@
           <a:p>
             <a:pPr algn="ctr"/>
             <a:r>
-              <a:rPr lang="ro-RO" sz="2800" b="1" dirty="0" smtClean="0">
+              <a:rPr lang="ro-RO" sz="4000" b="1" dirty="0" smtClean="0">
                 <a:effectLst>
                   <a:outerShdw blurRad="38100" dist="38100" dir="2700000" algn="tl">
                     <a:srgbClr val="000000">
@@ -3210,7 +3138,7 @@
               </a:rPr>
               <a:t>Badass Marshmallows</a:t>
             </a:r>
-            <a:endParaRPr lang="ro-RO" sz="2800" b="1" dirty="0">
+            <a:endParaRPr lang="ro-RO" sz="4000" b="1" dirty="0">
               <a:effectLst>
                 <a:outerShdw blurRad="38100" dist="38100" dir="2700000" algn="tl">
                   <a:srgbClr val="000000">
@@ -3222,10 +3150,220 @@
           </a:p>
         </p:txBody>
       </p:sp>
+      <p:sp>
+        <p:nvSpPr>
+          <p:cNvPr id="9" name="TextBox 8"/>
+          <p:cNvSpPr txBox="1"/>
+          <p:nvPr/>
+        </p:nvSpPr>
+        <p:spPr>
+          <a:xfrm>
+            <a:off x="6362700" y="6165506"/>
+            <a:ext cx="2400300" cy="369332"/>
+          </a:xfrm>
+          <a:prstGeom prst="rect">
+            <a:avLst/>
+          </a:prstGeom>
+          <a:noFill/>
+        </p:spPr>
+        <p:txBody>
+          <a:bodyPr wrap="square" rtlCol="0">
+            <a:spAutoFit/>
+          </a:bodyPr>
+          <a:lstStyle/>
+          <a:p>
+            <a:r>
+              <a:rPr lang="ro-RO" b="1" dirty="0" smtClean="0"/>
+              <a:t>Diana Andreea Drumea</a:t>
+            </a:r>
+            <a:endParaRPr lang="ro-RO" b="1" dirty="0"/>
+          </a:p>
+        </p:txBody>
+      </p:sp>
+      <p:sp>
+        <p:nvSpPr>
+          <p:cNvPr id="10" name="TextBox 9"/>
+          <p:cNvSpPr txBox="1"/>
+          <p:nvPr/>
+        </p:nvSpPr>
+        <p:spPr>
+          <a:xfrm>
+            <a:off x="3340006" y="5980840"/>
+            <a:ext cx="2400300" cy="369332"/>
+          </a:xfrm>
+          <a:prstGeom prst="rect">
+            <a:avLst/>
+          </a:prstGeom>
+          <a:noFill/>
+        </p:spPr>
+        <p:txBody>
+          <a:bodyPr wrap="square" rtlCol="0">
+            <a:spAutoFit/>
+          </a:bodyPr>
+          <a:lstStyle/>
+          <a:p>
+            <a:pPr algn="ctr"/>
+            <a:r>
+              <a:rPr lang="ro-RO" b="1" dirty="0" smtClean="0"/>
+              <a:t>Gurau Marius</a:t>
+            </a:r>
+            <a:endParaRPr lang="ro-RO" b="1" dirty="0"/>
+          </a:p>
+        </p:txBody>
+      </p:sp>
+      <p:sp>
+        <p:nvSpPr>
+          <p:cNvPr id="11" name="TextBox 10"/>
+          <p:cNvSpPr txBox="1"/>
+          <p:nvPr/>
+        </p:nvSpPr>
+        <p:spPr>
+          <a:xfrm>
+            <a:off x="533400" y="5980840"/>
+            <a:ext cx="2400300" cy="369332"/>
+          </a:xfrm>
+          <a:prstGeom prst="rect">
+            <a:avLst/>
+          </a:prstGeom>
+          <a:noFill/>
+        </p:spPr>
+        <p:txBody>
+          <a:bodyPr wrap="square" rtlCol="0">
+            <a:spAutoFit/>
+          </a:bodyPr>
+          <a:lstStyle/>
+          <a:p>
+            <a:pPr algn="ctr"/>
+            <a:r>
+              <a:rPr lang="ro-RO" b="1" dirty="0" smtClean="0"/>
+              <a:t>Marin Raluca Alina</a:t>
+            </a:r>
+          </a:p>
+        </p:txBody>
+      </p:sp>
     </p:spTree>
     <p:extLst>
       <p:ext uri="{BB962C8B-B14F-4D97-AF65-F5344CB8AC3E}">
         <p14:creationId xmlns:p14="http://schemas.microsoft.com/office/powerpoint/2010/main" val="4065761228"/>
+      </p:ext>
+    </p:extLst>
+  </p:cSld>
+  <p:clrMapOvr>
+    <a:masterClrMapping/>
+  </p:clrMapOvr>
+</p:sld>
+</file>
+
+<file path=ppt/slides/slide2.xml><?xml version="1.0" encoding="utf-8"?>
+<p:sld xmlns:a="http://schemas.openxmlformats.org/drawingml/2006/main" xmlns:r="http://schemas.openxmlformats.org/officeDocument/2006/relationships" xmlns:p="http://schemas.openxmlformats.org/presentationml/2006/main">
+  <p:cSld>
+    <p:spTree>
+      <p:nvGrpSpPr>
+        <p:cNvPr id="1" name=""/>
+        <p:cNvGrpSpPr/>
+        <p:nvPr/>
+      </p:nvGrpSpPr>
+      <p:grpSpPr>
+        <a:xfrm>
+          <a:off x="0" y="0"/>
+          <a:ext cx="0" cy="0"/>
+          <a:chOff x="0" y="0"/>
+          <a:chExt cx="0" cy="0"/>
+        </a:xfrm>
+      </p:grpSpPr>
+      <p:pic>
+        <p:nvPicPr>
+          <p:cNvPr id="1026" name="Picture 2" descr="D:\github\hackaton\Game\Assets\bezea taiata.png"/>
+          <p:cNvPicPr>
+            <a:picLocks noChangeAspect="1" noChangeArrowheads="1"/>
+          </p:cNvPicPr>
+          <p:nvPr/>
+        </p:nvPicPr>
+        <p:blipFill>
+          <a:blip r:embed="rId2">
+            <a:extLst>
+              <a:ext uri="{28A0092B-C50C-407E-A947-70E740481C1C}">
+                <a14:useLocalDpi xmlns:a14="http://schemas.microsoft.com/office/drawing/2010/main" val="0"/>
+              </a:ext>
+            </a:extLst>
+          </a:blip>
+          <a:srcRect/>
+          <a:stretch>
+            <a:fillRect/>
+          </a:stretch>
+        </p:blipFill>
+        <p:spPr bwMode="auto">
+          <a:xfrm>
+            <a:off x="7961" y="1447800"/>
+            <a:ext cx="9174045" cy="4206875"/>
+          </a:xfrm>
+          <a:prstGeom prst="rect">
+            <a:avLst/>
+          </a:prstGeom>
+          <a:noFill/>
+          <a:extLst>
+            <a:ext uri="{909E8E84-426E-40DD-AFC4-6F175D3DCCD1}">
+              <a14:hiddenFill xmlns:a14="http://schemas.microsoft.com/office/drawing/2010/main">
+                <a:solidFill>
+                  <a:srgbClr val="FFFFFF"/>
+                </a:solidFill>
+              </a14:hiddenFill>
+            </a:ext>
+          </a:extLst>
+        </p:spPr>
+      </p:pic>
+      <p:sp>
+        <p:nvSpPr>
+          <p:cNvPr id="2" name="Title 1"/>
+          <p:cNvSpPr>
+            <a:spLocks noGrp="1"/>
+          </p:cNvSpPr>
+          <p:nvPr>
+            <p:ph type="ctrTitle"/>
+          </p:nvPr>
+        </p:nvSpPr>
+        <p:spPr>
+          <a:xfrm>
+            <a:off x="533400" y="2667000"/>
+            <a:ext cx="7772400" cy="1470025"/>
+          </a:xfrm>
+        </p:spPr>
+        <p:txBody>
+          <a:bodyPr>
+            <a:normAutofit fontScale="90000"/>
+          </a:bodyPr>
+          <a:lstStyle/>
+          <a:p>
+            <a:r>
+              <a:rPr lang="ro-RO" b="1" dirty="0" smtClean="0"/>
+              <a:t>Game Name:</a:t>
+            </a:r>
+            <a:br>
+              <a:rPr lang="ro-RO" b="1" dirty="0" smtClean="0"/>
+            </a:br>
+            <a:r>
+              <a:rPr lang="ro-RO" b="1" dirty="0"/>
+              <a:t/>
+            </a:r>
+            <a:br>
+              <a:rPr lang="ro-RO" b="1" dirty="0"/>
+            </a:br>
+            <a:r>
+              <a:rPr lang="ro-RO" b="1" dirty="0" smtClean="0"/>
+              <a:t>Not so sweet</a:t>
+            </a:r>
+            <a:r>
+              <a:rPr lang="ro-RO" b="1" dirty="0" smtClean="0"/>
+              <a:t> Marshmallow</a:t>
+            </a:r>
+            <a:endParaRPr lang="ro-RO" b="1" dirty="0"/>
+          </a:p>
+        </p:txBody>
+      </p:sp>
+    </p:spTree>
+    <p:extLst>
+      <p:ext uri="{BB962C8B-B14F-4D97-AF65-F5344CB8AC3E}">
+        <p14:creationId xmlns:p14="http://schemas.microsoft.com/office/powerpoint/2010/main" val="2503927951"/>
       </p:ext>
     </p:extLst>
   </p:cSld>
@@ -3269,7 +3407,11 @@
           <a:p>
             <a:r>
               <a:rPr lang="ro-RO" dirty="0" smtClean="0"/>
-              <a:t>Going Bananas</a:t>
+              <a:t>Going </a:t>
+            </a:r>
+            <a:r>
+              <a:rPr lang="ro-RO" dirty="0" smtClean="0"/>
+              <a:t>Bananas</a:t>
             </a:r>
             <a:endParaRPr lang="ro-RO" dirty="0"/>
           </a:p>
@@ -3296,8 +3438,18 @@
             </a:pPr>
             <a:r>
               <a:rPr lang="ro-RO" dirty="0" smtClean="0"/>
-              <a:t>Ideeas over ideeas.</a:t>
-            </a:r>
+              <a:t>Ideeas over ideeas</a:t>
+            </a:r>
+            <a:r>
+              <a:rPr lang="ro-RO" dirty="0" smtClean="0"/>
+              <a:t>.</a:t>
+            </a:r>
+          </a:p>
+          <a:p>
+            <a:pPr marL="0" indent="0" algn="just">
+              <a:buNone/>
+            </a:pPr>
+            <a:endParaRPr lang="ro-RO" dirty="0" smtClean="0"/>
           </a:p>
           <a:p>
             <a:pPr algn="just">
@@ -3306,8 +3458,19 @@
             </a:pPr>
             <a:r>
               <a:rPr lang="ro-RO" dirty="0" smtClean="0"/>
-              <a:t>Starting from marshmallows burning hot like fire to freezing cool like ice, ice, baby.</a:t>
-            </a:r>
+              <a:t>Starting from marshmallows burning hot like fire to freezing cool like ice, ice, baby</a:t>
+            </a:r>
+            <a:r>
+              <a:rPr lang="ro-RO" dirty="0" smtClean="0"/>
+              <a:t>.</a:t>
+            </a:r>
+          </a:p>
+          <a:p>
+            <a:pPr algn="just">
+              <a:buFont typeface="Wingdings" pitchFamily="2" charset="2"/>
+              <a:buChar char="Ø"/>
+            </a:pPr>
+            <a:endParaRPr lang="ro-RO" dirty="0" smtClean="0"/>
           </a:p>
           <a:p>
             <a:pPr algn="just">
@@ -3369,7 +3532,11 @@
           <a:bodyPr/>
           <a:lstStyle/>
           <a:p>
-            <a:endParaRPr lang="ro-RO"/>
+            <a:r>
+              <a:rPr lang="ro-RO" dirty="0" smtClean="0"/>
+              <a:t>But why?</a:t>
+            </a:r>
+            <a:endParaRPr lang="ro-RO" dirty="0"/>
           </a:p>
         </p:txBody>
       </p:sp>
@@ -3388,7 +3555,11 @@
           <a:bodyPr/>
           <a:lstStyle/>
           <a:p>
-            <a:endParaRPr lang="ro-RO"/>
+            <a:r>
+              <a:rPr lang="ro-RO" smtClean="0"/>
+              <a:t>Because it’s delicious</a:t>
+            </a:r>
+            <a:endParaRPr lang="ro-RO" dirty="0"/>
           </a:p>
         </p:txBody>
       </p:sp>

--- a/HackMarshmallow.pptx
+++ b/HackMarshmallow.pptx
@@ -9,6 +9,10 @@
     <p:sldId id="256" r:id="rId3"/>
     <p:sldId id="258" r:id="rId4"/>
     <p:sldId id="259" r:id="rId5"/>
+    <p:sldId id="261" r:id="rId6"/>
+    <p:sldId id="260" r:id="rId7"/>
+    <p:sldId id="262" r:id="rId8"/>
+    <p:sldId id="263" r:id="rId9"/>
   </p:sldIdLst>
   <p:sldSz cx="9144000" cy="6858000" type="screen4x3"/>
   <p:notesSz cx="6858000" cy="9144000"/>
@@ -3350,11 +3354,7 @@
             </a:br>
             <a:r>
               <a:rPr lang="ro-RO" b="1" dirty="0" smtClean="0"/>
-              <a:t>Not so sweet</a:t>
-            </a:r>
-            <a:r>
-              <a:rPr lang="ro-RO" b="1" dirty="0" smtClean="0"/>
-              <a:t> Marshmallow</a:t>
+              <a:t>Not so sweet Marshmallow</a:t>
             </a:r>
             <a:endParaRPr lang="ro-RO" b="1" dirty="0"/>
           </a:p>
@@ -3407,11 +3407,7 @@
           <a:p>
             <a:r>
               <a:rPr lang="ro-RO" dirty="0" smtClean="0"/>
-              <a:t>Going </a:t>
-            </a:r>
-            <a:r>
-              <a:rPr lang="ro-RO" dirty="0" smtClean="0"/>
-              <a:t>Bananas</a:t>
+              <a:t>Going Bananas</a:t>
             </a:r>
             <a:endParaRPr lang="ro-RO" dirty="0"/>
           </a:p>
@@ -3438,11 +3434,7 @@
             </a:pPr>
             <a:r>
               <a:rPr lang="ro-RO" dirty="0" smtClean="0"/>
-              <a:t>Ideeas over ideeas</a:t>
-            </a:r>
-            <a:r>
-              <a:rPr lang="ro-RO" dirty="0" smtClean="0"/>
-              <a:t>.</a:t>
+              <a:t>Ideeas over ideeas.</a:t>
             </a:r>
           </a:p>
           <a:p>
@@ -3458,11 +3450,7 @@
             </a:pPr>
             <a:r>
               <a:rPr lang="ro-RO" dirty="0" smtClean="0"/>
-              <a:t>Starting from marshmallows burning hot like fire to freezing cool like ice, ice, baby</a:t>
-            </a:r>
-            <a:r>
-              <a:rPr lang="ro-RO" dirty="0" smtClean="0"/>
-              <a:t>.</a:t>
+              <a:t>Starting from marshmallows burning hot like fire to freezing cool like ice, ice, baby.</a:t>
             </a:r>
           </a:p>
           <a:p>
@@ -3552,12 +3540,56 @@
         </p:nvSpPr>
         <p:spPr/>
         <p:txBody>
-          <a:bodyPr/>
-          <a:lstStyle/>
-          <a:p>
-            <a:r>
-              <a:rPr lang="ro-RO" smtClean="0"/>
-              <a:t>Because it’s delicious</a:t>
+          <a:bodyPr>
+            <a:normAutofit fontScale="92500" lnSpcReduction="10000"/>
+          </a:bodyPr>
+          <a:lstStyle/>
+          <a:p>
+            <a:pPr>
+              <a:buFont typeface="Wingdings" pitchFamily="2" charset="2"/>
+              <a:buChar char="Ø"/>
+            </a:pPr>
+            <a:r>
+              <a:rPr lang="ro-RO" dirty="0" smtClean="0"/>
+              <a:t>Because it’s </a:t>
+            </a:r>
+            <a:r>
+              <a:rPr lang="ro-RO" dirty="0" smtClean="0"/>
+              <a:t>delicious.</a:t>
+            </a:r>
+          </a:p>
+          <a:p>
+            <a:pPr>
+              <a:buFont typeface="Wingdings" pitchFamily="2" charset="2"/>
+              <a:buChar char="Ø"/>
+            </a:pPr>
+            <a:endParaRPr lang="ro-RO" dirty="0"/>
+          </a:p>
+          <a:p>
+            <a:pPr>
+              <a:buFont typeface="Wingdings" pitchFamily="2" charset="2"/>
+              <a:buChar char="Ø"/>
+            </a:pPr>
+            <a:r>
+              <a:rPr lang="ro-RO" dirty="0" smtClean="0"/>
+              <a:t>Someone has too keep the ogre fed with sweets so the marshmallow spirit is happy to do it.</a:t>
+            </a:r>
+          </a:p>
+          <a:p>
+            <a:pPr>
+              <a:buFont typeface="Wingdings" pitchFamily="2" charset="2"/>
+              <a:buChar char="Ø"/>
+            </a:pPr>
+            <a:endParaRPr lang="ro-RO" dirty="0"/>
+          </a:p>
+          <a:p>
+            <a:pPr>
+              <a:buFont typeface="Wingdings" pitchFamily="2" charset="2"/>
+              <a:buChar char="Ø"/>
+            </a:pPr>
+            <a:r>
+              <a:rPr lang="ro-RO" dirty="0" smtClean="0"/>
+              <a:t>Before finally leaving the body of the well done or well frozen marshmallow you have a short time of power to also destroy the ants which are making your body poisonous(yuck).</a:t>
             </a:r>
             <a:endParaRPr lang="ro-RO" dirty="0"/>
           </a:p>
@@ -3567,6 +3599,420 @@
     <p:extLst>
       <p:ext uri="{BB962C8B-B14F-4D97-AF65-F5344CB8AC3E}">
         <p14:creationId xmlns:p14="http://schemas.microsoft.com/office/powerpoint/2010/main" val="529430350"/>
+      </p:ext>
+    </p:extLst>
+  </p:cSld>
+  <p:clrMapOvr>
+    <a:masterClrMapping/>
+  </p:clrMapOvr>
+</p:sld>
+</file>
+
+<file path=ppt/slides/slide5.xml><?xml version="1.0" encoding="utf-8"?>
+<p:sld xmlns:a="http://schemas.openxmlformats.org/drawingml/2006/main" xmlns:r="http://schemas.openxmlformats.org/officeDocument/2006/relationships" xmlns:p="http://schemas.openxmlformats.org/presentationml/2006/main">
+  <p:cSld>
+    <p:spTree>
+      <p:nvGrpSpPr>
+        <p:cNvPr id="1" name=""/>
+        <p:cNvGrpSpPr/>
+        <p:nvPr/>
+      </p:nvGrpSpPr>
+      <p:grpSpPr>
+        <a:xfrm>
+          <a:off x="0" y="0"/>
+          <a:ext cx="0" cy="0"/>
+          <a:chOff x="0" y="0"/>
+          <a:chExt cx="0" cy="0"/>
+        </a:xfrm>
+      </p:grpSpPr>
+      <p:sp>
+        <p:nvSpPr>
+          <p:cNvPr id="2" name="Title 1"/>
+          <p:cNvSpPr>
+            <a:spLocks noGrp="1"/>
+          </p:cNvSpPr>
+          <p:nvPr>
+            <p:ph type="title"/>
+          </p:nvPr>
+        </p:nvSpPr>
+        <p:spPr/>
+        <p:txBody>
+          <a:bodyPr/>
+          <a:lstStyle/>
+          <a:p>
+            <a:r>
+              <a:rPr lang="ro-RO" dirty="0" smtClean="0"/>
+              <a:t>Game Purpose</a:t>
+            </a:r>
+            <a:endParaRPr lang="ro-RO" dirty="0"/>
+          </a:p>
+        </p:txBody>
+      </p:sp>
+      <p:sp>
+        <p:nvSpPr>
+          <p:cNvPr id="3" name="Content Placeholder 2"/>
+          <p:cNvSpPr>
+            <a:spLocks noGrp="1"/>
+          </p:cNvSpPr>
+          <p:nvPr>
+            <p:ph idx="1"/>
+          </p:nvPr>
+        </p:nvSpPr>
+        <p:spPr/>
+        <p:txBody>
+          <a:bodyPr/>
+          <a:lstStyle/>
+          <a:p>
+            <a:r>
+              <a:rPr lang="ro-RO" dirty="0" smtClean="0"/>
+              <a:t>Have fun! Make your marshmallow character suicide, not yourself.</a:t>
+            </a:r>
+          </a:p>
+          <a:p>
+            <a:endParaRPr lang="ro-RO" dirty="0"/>
+          </a:p>
+          <a:p>
+            <a:r>
+              <a:rPr lang="ro-RO" dirty="0" smtClean="0"/>
+              <a:t>Kill bugs! Everyone hates ‘em!</a:t>
+            </a:r>
+          </a:p>
+          <a:p>
+            <a:endParaRPr lang="ro-RO" dirty="0"/>
+          </a:p>
+          <a:p>
+            <a:r>
+              <a:rPr lang="ro-RO" dirty="0" smtClean="0"/>
+              <a:t>Let us sacrifice our marshmallows today, so that our ogre can have a sweeter tomorrow!</a:t>
+            </a:r>
+            <a:endParaRPr lang="ro-RO" dirty="0"/>
+          </a:p>
+        </p:txBody>
+      </p:sp>
+    </p:spTree>
+    <p:extLst>
+      <p:ext uri="{BB962C8B-B14F-4D97-AF65-F5344CB8AC3E}">
+        <p14:creationId xmlns:p14="http://schemas.microsoft.com/office/powerpoint/2010/main" val="736363457"/>
+      </p:ext>
+    </p:extLst>
+  </p:cSld>
+  <p:clrMapOvr>
+    <a:masterClrMapping/>
+  </p:clrMapOvr>
+</p:sld>
+</file>
+
+<file path=ppt/slides/slide6.xml><?xml version="1.0" encoding="utf-8"?>
+<p:sld xmlns:a="http://schemas.openxmlformats.org/drawingml/2006/main" xmlns:r="http://schemas.openxmlformats.org/officeDocument/2006/relationships" xmlns:p="http://schemas.openxmlformats.org/presentationml/2006/main">
+  <p:cSld>
+    <p:spTree>
+      <p:nvGrpSpPr>
+        <p:cNvPr id="1" name=""/>
+        <p:cNvGrpSpPr/>
+        <p:nvPr/>
+      </p:nvGrpSpPr>
+      <p:grpSpPr>
+        <a:xfrm>
+          <a:off x="0" y="0"/>
+          <a:ext cx="0" cy="0"/>
+          <a:chOff x="0" y="0"/>
+          <a:chExt cx="0" cy="0"/>
+        </a:xfrm>
+      </p:grpSpPr>
+      <p:sp>
+        <p:nvSpPr>
+          <p:cNvPr id="2" name="Title 1"/>
+          <p:cNvSpPr>
+            <a:spLocks noGrp="1"/>
+          </p:cNvSpPr>
+          <p:nvPr>
+            <p:ph type="title"/>
+          </p:nvPr>
+        </p:nvSpPr>
+        <p:spPr/>
+        <p:txBody>
+          <a:bodyPr/>
+          <a:lstStyle/>
+          <a:p>
+            <a:r>
+              <a:rPr lang="ro-RO" dirty="0" smtClean="0"/>
+              <a:t>Plans</a:t>
+            </a:r>
+            <a:endParaRPr lang="ro-RO" dirty="0"/>
+          </a:p>
+        </p:txBody>
+      </p:sp>
+      <p:sp>
+        <p:nvSpPr>
+          <p:cNvPr id="3" name="Content Placeholder 2"/>
+          <p:cNvSpPr>
+            <a:spLocks noGrp="1"/>
+          </p:cNvSpPr>
+          <p:nvPr>
+            <p:ph idx="1"/>
+          </p:nvPr>
+        </p:nvSpPr>
+        <p:spPr/>
+        <p:txBody>
+          <a:bodyPr/>
+          <a:lstStyle/>
+          <a:p>
+            <a:pPr>
+              <a:buFont typeface="Wingdings" pitchFamily="2" charset="2"/>
+              <a:buChar char="Ø"/>
+            </a:pPr>
+            <a:r>
+              <a:rPr lang="ro-RO" dirty="0" smtClean="0"/>
+              <a:t>Fire</a:t>
+            </a:r>
+          </a:p>
+          <a:p>
+            <a:pPr>
+              <a:buFont typeface="Wingdings" pitchFamily="2" charset="2"/>
+              <a:buChar char="Ø"/>
+            </a:pPr>
+            <a:endParaRPr lang="ro-RO" dirty="0" smtClean="0"/>
+          </a:p>
+          <a:p>
+            <a:pPr>
+              <a:buFont typeface="Wingdings" pitchFamily="2" charset="2"/>
+              <a:buChar char="Ø"/>
+            </a:pPr>
+            <a:r>
+              <a:rPr lang="ro-RO" dirty="0" smtClean="0"/>
+              <a:t>Ice</a:t>
+            </a:r>
+          </a:p>
+          <a:p>
+            <a:pPr>
+              <a:buFont typeface="Wingdings" pitchFamily="2" charset="2"/>
+              <a:buChar char="Ø"/>
+            </a:pPr>
+            <a:endParaRPr lang="ro-RO" dirty="0" smtClean="0"/>
+          </a:p>
+          <a:p>
+            <a:pPr>
+              <a:buFont typeface="Wingdings" pitchFamily="2" charset="2"/>
+              <a:buChar char="Ø"/>
+            </a:pPr>
+            <a:r>
+              <a:rPr lang="ro-RO" dirty="0" smtClean="0"/>
+              <a:t>Hot Chocolate</a:t>
+            </a:r>
+          </a:p>
+          <a:p>
+            <a:pPr>
+              <a:buFont typeface="Wingdings" pitchFamily="2" charset="2"/>
+              <a:buChar char="Ø"/>
+            </a:pPr>
+            <a:endParaRPr lang="ro-RO" dirty="0" smtClean="0"/>
+          </a:p>
+          <a:p>
+            <a:pPr>
+              <a:buFont typeface="Wingdings" pitchFamily="2" charset="2"/>
+              <a:buChar char="Ø"/>
+            </a:pPr>
+            <a:r>
+              <a:rPr lang="ro-RO" dirty="0" smtClean="0"/>
+              <a:t>Microwaved Fluffy</a:t>
+            </a:r>
+            <a:endParaRPr lang="ro-RO" dirty="0"/>
+          </a:p>
+        </p:txBody>
+      </p:sp>
+    </p:spTree>
+    <p:extLst>
+      <p:ext uri="{BB962C8B-B14F-4D97-AF65-F5344CB8AC3E}">
+        <p14:creationId xmlns:p14="http://schemas.microsoft.com/office/powerpoint/2010/main" val="2504752664"/>
+      </p:ext>
+    </p:extLst>
+  </p:cSld>
+  <p:clrMapOvr>
+    <a:masterClrMapping/>
+  </p:clrMapOvr>
+</p:sld>
+</file>
+
+<file path=ppt/slides/slide7.xml><?xml version="1.0" encoding="utf-8"?>
+<p:sld xmlns:a="http://schemas.openxmlformats.org/drawingml/2006/main" xmlns:r="http://schemas.openxmlformats.org/officeDocument/2006/relationships" xmlns:p="http://schemas.openxmlformats.org/presentationml/2006/main">
+  <p:cSld>
+    <p:spTree>
+      <p:nvGrpSpPr>
+        <p:cNvPr id="1" name=""/>
+        <p:cNvGrpSpPr/>
+        <p:nvPr/>
+      </p:nvGrpSpPr>
+      <p:grpSpPr>
+        <a:xfrm>
+          <a:off x="0" y="0"/>
+          <a:ext cx="0" cy="0"/>
+          <a:chOff x="0" y="0"/>
+          <a:chExt cx="0" cy="0"/>
+        </a:xfrm>
+      </p:grpSpPr>
+      <p:sp>
+        <p:nvSpPr>
+          <p:cNvPr id="2" name="Title 1"/>
+          <p:cNvSpPr>
+            <a:spLocks noGrp="1"/>
+          </p:cNvSpPr>
+          <p:nvPr>
+            <p:ph type="title"/>
+          </p:nvPr>
+        </p:nvSpPr>
+        <p:spPr/>
+        <p:txBody>
+          <a:bodyPr/>
+          <a:lstStyle/>
+          <a:p>
+            <a:r>
+              <a:rPr lang="ro-RO" dirty="0" smtClean="0"/>
+              <a:t>IRL</a:t>
+            </a:r>
+            <a:endParaRPr lang="ro-RO" dirty="0"/>
+          </a:p>
+        </p:txBody>
+      </p:sp>
+      <p:sp>
+        <p:nvSpPr>
+          <p:cNvPr id="3" name="Content Placeholder 2"/>
+          <p:cNvSpPr>
+            <a:spLocks noGrp="1"/>
+          </p:cNvSpPr>
+          <p:nvPr>
+            <p:ph idx="1"/>
+          </p:nvPr>
+        </p:nvSpPr>
+        <p:spPr/>
+        <p:txBody>
+          <a:bodyPr/>
+          <a:lstStyle/>
+          <a:p>
+            <a:pPr>
+              <a:buFont typeface="Wingdings" pitchFamily="2" charset="2"/>
+              <a:buChar char="Ø"/>
+            </a:pPr>
+            <a:r>
+              <a:rPr lang="ro-RO" dirty="0" smtClean="0"/>
+              <a:t>Fire</a:t>
+            </a:r>
+          </a:p>
+          <a:p>
+            <a:pPr>
+              <a:buFont typeface="Wingdings" pitchFamily="2" charset="2"/>
+              <a:buChar char="Ø"/>
+            </a:pPr>
+            <a:endParaRPr lang="ro-RO" dirty="0" smtClean="0"/>
+          </a:p>
+          <a:p>
+            <a:pPr>
+              <a:buFont typeface="Wingdings" pitchFamily="2" charset="2"/>
+              <a:buChar char="Ø"/>
+            </a:pPr>
+            <a:r>
+              <a:rPr lang="ro-RO" dirty="0" smtClean="0"/>
+              <a:t>Ice</a:t>
+            </a:r>
+          </a:p>
+          <a:p>
+            <a:pPr>
+              <a:buFont typeface="Wingdings" pitchFamily="2" charset="2"/>
+              <a:buChar char="Ø"/>
+            </a:pPr>
+            <a:endParaRPr lang="ro-RO" dirty="0" smtClean="0"/>
+          </a:p>
+          <a:p>
+            <a:pPr>
+              <a:buFont typeface="Wingdings" pitchFamily="2" charset="2"/>
+              <a:buChar char="Ø"/>
+            </a:pPr>
+            <a:r>
+              <a:rPr lang="ro-RO" strike="sngStrike" dirty="0" smtClean="0"/>
+              <a:t>Hot Chocolate</a:t>
+            </a:r>
+          </a:p>
+          <a:p>
+            <a:pPr>
+              <a:buFont typeface="Wingdings" pitchFamily="2" charset="2"/>
+              <a:buChar char="Ø"/>
+            </a:pPr>
+            <a:endParaRPr lang="ro-RO" dirty="0" smtClean="0"/>
+          </a:p>
+          <a:p>
+            <a:pPr>
+              <a:buFont typeface="Wingdings" pitchFamily="2" charset="2"/>
+              <a:buChar char="Ø"/>
+            </a:pPr>
+            <a:r>
+              <a:rPr lang="ro-RO" strike="sngStrike" dirty="0" smtClean="0"/>
+              <a:t>Microwaved Fluffy</a:t>
+            </a:r>
+            <a:endParaRPr lang="ro-RO" strike="sngStrike" dirty="0"/>
+          </a:p>
+        </p:txBody>
+      </p:sp>
+    </p:spTree>
+    <p:extLst>
+      <p:ext uri="{BB962C8B-B14F-4D97-AF65-F5344CB8AC3E}">
+        <p14:creationId xmlns:p14="http://schemas.microsoft.com/office/powerpoint/2010/main" val="4248476105"/>
+      </p:ext>
+    </p:extLst>
+  </p:cSld>
+  <p:clrMapOvr>
+    <a:masterClrMapping/>
+  </p:clrMapOvr>
+</p:sld>
+</file>
+
+<file path=ppt/slides/slide8.xml><?xml version="1.0" encoding="utf-8"?>
+<p:sld xmlns:a="http://schemas.openxmlformats.org/drawingml/2006/main" xmlns:r="http://schemas.openxmlformats.org/officeDocument/2006/relationships" xmlns:p="http://schemas.openxmlformats.org/presentationml/2006/main">
+  <p:cSld>
+    <p:spTree>
+      <p:nvGrpSpPr>
+        <p:cNvPr id="1" name=""/>
+        <p:cNvGrpSpPr/>
+        <p:nvPr/>
+      </p:nvGrpSpPr>
+      <p:grpSpPr>
+        <a:xfrm>
+          <a:off x="0" y="0"/>
+          <a:ext cx="0" cy="0"/>
+          <a:chOff x="0" y="0"/>
+          <a:chExt cx="0" cy="0"/>
+        </a:xfrm>
+      </p:grpSpPr>
+      <p:sp>
+        <p:nvSpPr>
+          <p:cNvPr id="2" name="Title 1"/>
+          <p:cNvSpPr>
+            <a:spLocks noGrp="1"/>
+          </p:cNvSpPr>
+          <p:nvPr>
+            <p:ph type="title"/>
+          </p:nvPr>
+        </p:nvSpPr>
+        <p:spPr>
+          <a:xfrm>
+            <a:off x="381000" y="2819400"/>
+            <a:ext cx="8229600" cy="1143000"/>
+          </a:xfrm>
+        </p:spPr>
+        <p:txBody>
+          <a:bodyPr/>
+          <a:lstStyle/>
+          <a:p>
+            <a:r>
+              <a:rPr lang="ro-RO" dirty="0" smtClean="0"/>
+              <a:t>Questions?</a:t>
+            </a:r>
+            <a:endParaRPr lang="ro-RO" dirty="0"/>
+          </a:p>
+        </p:txBody>
+      </p:sp>
+    </p:spTree>
+    <p:extLst>
+      <p:ext uri="{BB962C8B-B14F-4D97-AF65-F5344CB8AC3E}">
+        <p14:creationId xmlns:p14="http://schemas.microsoft.com/office/powerpoint/2010/main" val="610967830"/>
       </p:ext>
     </p:extLst>
   </p:cSld>
